--- a/slides/2-shellcode.pptx
+++ b/slides/2-shellcode.pptx
@@ -19,8 +19,11 @@
     <p:sldId id="270" r:id="rId13"/>
     <p:sldId id="271" r:id="rId14"/>
     <p:sldId id="272" r:id="rId15"/>
-    <p:sldId id="267" r:id="rId16"/>
-    <p:sldId id="261" r:id="rId17"/>
+    <p:sldId id="273" r:id="rId16"/>
+    <p:sldId id="274" r:id="rId17"/>
+    <p:sldId id="267" r:id="rId18"/>
+    <p:sldId id="275" r:id="rId19"/>
+    <p:sldId id="261" r:id="rId20"/>
   </p:sldIdLst>
   <p:sldSz cx="12192000" cy="6858000"/>
   <p:notesSz cx="6858000" cy="9144000"/>
@@ -156,9 +159,16 @@
             <p14:sldId id="272"/>
           </p14:sldIdLst>
         </p14:section>
+        <p14:section name="side-way  leak" id="{9B05E450-80C1-4C78-9205-F6287A77FE44}">
+          <p14:sldIdLst>
+            <p14:sldId id="273"/>
+            <p14:sldId id="274"/>
+          </p14:sldIdLst>
+        </p14:section>
         <p14:section name="defender view" id="{D14CA16C-F405-458D-9F4C-0B4ADA021569}">
           <p14:sldIdLst>
             <p14:sldId id="267"/>
+            <p14:sldId id="275"/>
           </p14:sldIdLst>
         </p14:section>
         <p14:section name="conclusion" id="{9CE75F22-19C3-4759-AA29-E324AD8001E2}">
@@ -4288,6 +4298,297 @@
           <p:cNvPr id="2" name="标题 1">
             <a:extLst>
               <a:ext uri="{FF2B5EF4-FFF2-40B4-BE49-F238E27FC236}">
+                <a16:creationId xmlns:a16="http://schemas.microsoft.com/office/drawing/2014/main" id="{4E4F2CEB-2935-48D5-8B7F-FCF7608B8586}"/>
+              </a:ext>
+            </a:extLst>
+          </p:cNvPr>
+          <p:cNvSpPr>
+            <a:spLocks noGrp="1"/>
+          </p:cNvSpPr>
+          <p:nvPr>
+            <p:ph type="title"/>
+          </p:nvPr>
+        </p:nvSpPr>
+        <p:spPr/>
+        <p:txBody>
+          <a:bodyPr/>
+          <a:lstStyle/>
+          <a:p>
+            <a:r>
+              <a:rPr lang="en-US" altLang="zh-CN" dirty="0"/>
+              <a:t>even no </a:t>
+            </a:r>
+            <a:r>
+              <a:rPr lang="en-US" altLang="zh-CN" dirty="0" err="1"/>
+              <a:t>orw</a:t>
+            </a:r>
+            <a:endParaRPr lang="zh-CN" altLang="en-US" dirty="0"/>
+          </a:p>
+        </p:txBody>
+      </p:sp>
+      <p:sp>
+        <p:nvSpPr>
+          <p:cNvPr id="3" name="内容占位符 2">
+            <a:extLst>
+              <a:ext uri="{FF2B5EF4-FFF2-40B4-BE49-F238E27FC236}">
+                <a16:creationId xmlns:a16="http://schemas.microsoft.com/office/drawing/2014/main" id="{9BD9544C-AC02-464C-AE50-6FBCDBA7586B}"/>
+              </a:ext>
+            </a:extLst>
+          </p:cNvPr>
+          <p:cNvSpPr>
+            <a:spLocks noGrp="1"/>
+          </p:cNvSpPr>
+          <p:nvPr>
+            <p:ph idx="1"/>
+          </p:nvPr>
+        </p:nvSpPr>
+        <p:spPr/>
+        <p:txBody>
+          <a:bodyPr/>
+          <a:lstStyle/>
+          <a:p>
+            <a:r>
+              <a:rPr lang="en-US" altLang="zh-CN" dirty="0"/>
+              <a:t>sc5.c</a:t>
+            </a:r>
+            <a:endParaRPr lang="zh-CN" altLang="en-US" dirty="0"/>
+          </a:p>
+        </p:txBody>
+      </p:sp>
+      <p:pic>
+        <p:nvPicPr>
+          <p:cNvPr id="5" name="图片 4">
+            <a:extLst>
+              <a:ext uri="{FF2B5EF4-FFF2-40B4-BE49-F238E27FC236}">
+                <a16:creationId xmlns:a16="http://schemas.microsoft.com/office/drawing/2014/main" id="{44C3A803-AB33-4EE6-BEC3-D9BD5E3B9082}"/>
+              </a:ext>
+            </a:extLst>
+          </p:cNvPr>
+          <p:cNvPicPr>
+            <a:picLocks noChangeAspect="1"/>
+          </p:cNvPicPr>
+          <p:nvPr/>
+        </p:nvPicPr>
+        <p:blipFill>
+          <a:blip r:embed="rId2"/>
+          <a:stretch>
+            <a:fillRect/>
+          </a:stretch>
+        </p:blipFill>
+        <p:spPr>
+          <a:xfrm>
+            <a:off x="463039" y="3016251"/>
+            <a:ext cx="6307970" cy="3589127"/>
+          </a:xfrm>
+          <a:prstGeom prst="rect">
+            <a:avLst/>
+          </a:prstGeom>
+        </p:spPr>
+      </p:pic>
+      <p:pic>
+        <p:nvPicPr>
+          <p:cNvPr id="4" name="图片 3">
+            <a:extLst>
+              <a:ext uri="{FF2B5EF4-FFF2-40B4-BE49-F238E27FC236}">
+                <a16:creationId xmlns:a16="http://schemas.microsoft.com/office/drawing/2014/main" id="{1A19D9B9-C036-4935-90E8-ED509291EB37}"/>
+              </a:ext>
+            </a:extLst>
+          </p:cNvPr>
+          <p:cNvPicPr>
+            <a:picLocks noChangeAspect="1"/>
+          </p:cNvPicPr>
+          <p:nvPr/>
+        </p:nvPicPr>
+        <p:blipFill>
+          <a:blip r:embed="rId3"/>
+          <a:stretch>
+            <a:fillRect/>
+          </a:stretch>
+        </p:blipFill>
+        <p:spPr>
+          <a:xfrm>
+            <a:off x="5288721" y="906916"/>
+            <a:ext cx="6903279" cy="4588206"/>
+          </a:xfrm>
+          <a:prstGeom prst="rect">
+            <a:avLst/>
+          </a:prstGeom>
+        </p:spPr>
+      </p:pic>
+    </p:spTree>
+    <p:extLst>
+      <p:ext uri="{BB962C8B-B14F-4D97-AF65-F5344CB8AC3E}">
+        <p14:creationId xmlns:p14="http://schemas.microsoft.com/office/powerpoint/2010/main" val="1923463925"/>
+      </p:ext>
+    </p:extLst>
+  </p:cSld>
+  <p:clrMapOvr>
+    <a:masterClrMapping/>
+  </p:clrMapOvr>
+</p:sld>
+</file>
+
+<file path=ppt/slides/slide16.xml><?xml version="1.0" encoding="utf-8"?>
+<p:sld xmlns:a="http://schemas.openxmlformats.org/drawingml/2006/main" xmlns:r="http://schemas.openxmlformats.org/officeDocument/2006/relationships" xmlns:p="http://schemas.openxmlformats.org/presentationml/2006/main">
+  <p:cSld>
+    <p:spTree>
+      <p:nvGrpSpPr>
+        <p:cNvPr id="1" name=""/>
+        <p:cNvGrpSpPr/>
+        <p:nvPr/>
+      </p:nvGrpSpPr>
+      <p:grpSpPr>
+        <a:xfrm>
+          <a:off x="0" y="0"/>
+          <a:ext cx="0" cy="0"/>
+          <a:chOff x="0" y="0"/>
+          <a:chExt cx="0" cy="0"/>
+        </a:xfrm>
+      </p:grpSpPr>
+      <p:sp>
+        <p:nvSpPr>
+          <p:cNvPr id="2" name="标题 1">
+            <a:extLst>
+              <a:ext uri="{FF2B5EF4-FFF2-40B4-BE49-F238E27FC236}">
+                <a16:creationId xmlns:a16="http://schemas.microsoft.com/office/drawing/2014/main" id="{34A099DB-6293-453A-96AE-CE53737F4070}"/>
+              </a:ext>
+            </a:extLst>
+          </p:cNvPr>
+          <p:cNvSpPr>
+            <a:spLocks noGrp="1"/>
+          </p:cNvSpPr>
+          <p:nvPr>
+            <p:ph type="title"/>
+          </p:nvPr>
+        </p:nvSpPr>
+        <p:spPr/>
+        <p:txBody>
+          <a:bodyPr/>
+          <a:lstStyle/>
+          <a:p>
+            <a:r>
+              <a:rPr lang="en-US" altLang="zh-CN" dirty="0"/>
+              <a:t>side-way leak</a:t>
+            </a:r>
+            <a:endParaRPr lang="zh-CN" altLang="en-US" dirty="0"/>
+          </a:p>
+        </p:txBody>
+      </p:sp>
+      <p:sp>
+        <p:nvSpPr>
+          <p:cNvPr id="3" name="内容占位符 2">
+            <a:extLst>
+              <a:ext uri="{FF2B5EF4-FFF2-40B4-BE49-F238E27FC236}">
+                <a16:creationId xmlns:a16="http://schemas.microsoft.com/office/drawing/2014/main" id="{E9F101A4-D6A1-4E66-9AD4-7AB3C4218B0E}"/>
+              </a:ext>
+            </a:extLst>
+          </p:cNvPr>
+          <p:cNvSpPr>
+            <a:spLocks noGrp="1"/>
+          </p:cNvSpPr>
+          <p:nvPr>
+            <p:ph idx="1"/>
+          </p:nvPr>
+        </p:nvSpPr>
+        <p:spPr/>
+        <p:txBody>
+          <a:bodyPr/>
+          <a:lstStyle/>
+          <a:p>
+            <a:r>
+              <a:rPr lang="zh-CN" altLang="en-US" dirty="0"/>
+              <a:t>依次爆破</a:t>
+            </a:r>
+            <a:r>
+              <a:rPr lang="en-US" altLang="zh-CN" dirty="0"/>
+              <a:t>flag</a:t>
+            </a:r>
+            <a:r>
+              <a:rPr lang="zh-CN" altLang="en-US" dirty="0"/>
+              <a:t>中每个字符</a:t>
+            </a:r>
+            <a:endParaRPr lang="en-US" altLang="zh-CN" dirty="0"/>
+          </a:p>
+          <a:p>
+            <a:pPr lvl="1"/>
+            <a:r>
+              <a:rPr lang="zh-CN" altLang="en-US" dirty="0"/>
+              <a:t>相同</a:t>
+            </a:r>
+            <a:r>
+              <a:rPr lang="en-US" altLang="zh-CN" dirty="0"/>
+              <a:t> =&gt; </a:t>
+            </a:r>
+            <a:r>
+              <a:rPr lang="zh-CN" altLang="en-US" dirty="0"/>
+              <a:t>死循环</a:t>
+            </a:r>
+            <a:endParaRPr lang="en-US" altLang="zh-CN" dirty="0"/>
+          </a:p>
+          <a:p>
+            <a:pPr lvl="1"/>
+            <a:r>
+              <a:rPr lang="zh-CN" altLang="en-US" dirty="0"/>
+              <a:t>不同 </a:t>
+            </a:r>
+            <a:r>
+              <a:rPr lang="en-US" altLang="zh-CN" dirty="0"/>
+              <a:t>=&gt; </a:t>
+            </a:r>
+            <a:r>
+              <a:rPr lang="zh-CN" altLang="en-US" dirty="0"/>
+              <a:t>程序退出</a:t>
+            </a:r>
+            <a:endParaRPr lang="en-US" altLang="zh-CN" dirty="0"/>
+          </a:p>
+          <a:p>
+            <a:r>
+              <a:rPr lang="en-US" altLang="zh-CN" dirty="0" err="1"/>
+              <a:t>io.connected</a:t>
+            </a:r>
+            <a:r>
+              <a:rPr lang="en-US" altLang="zh-CN" dirty="0"/>
+              <a:t>()</a:t>
+            </a:r>
+            <a:endParaRPr lang="zh-CN" altLang="en-US" dirty="0"/>
+          </a:p>
+        </p:txBody>
+      </p:sp>
+    </p:spTree>
+    <p:extLst>
+      <p:ext uri="{BB962C8B-B14F-4D97-AF65-F5344CB8AC3E}">
+        <p14:creationId xmlns:p14="http://schemas.microsoft.com/office/powerpoint/2010/main" val="3127023890"/>
+      </p:ext>
+    </p:extLst>
+  </p:cSld>
+  <p:clrMapOvr>
+    <a:masterClrMapping/>
+  </p:clrMapOvr>
+</p:sld>
+</file>
+
+<file path=ppt/slides/slide17.xml><?xml version="1.0" encoding="utf-8"?>
+<p:sld xmlns:a="http://schemas.openxmlformats.org/drawingml/2006/main" xmlns:r="http://schemas.openxmlformats.org/officeDocument/2006/relationships" xmlns:p="http://schemas.openxmlformats.org/presentationml/2006/main">
+  <p:cSld>
+    <p:spTree>
+      <p:nvGrpSpPr>
+        <p:cNvPr id="1" name=""/>
+        <p:cNvGrpSpPr/>
+        <p:nvPr/>
+      </p:nvGrpSpPr>
+      <p:grpSpPr>
+        <a:xfrm>
+          <a:off x="0" y="0"/>
+          <a:ext cx="0" cy="0"/>
+          <a:chOff x="0" y="0"/>
+          <a:chExt cx="0" cy="0"/>
+        </a:xfrm>
+      </p:grpSpPr>
+      <p:sp>
+        <p:nvSpPr>
+          <p:cNvPr id="2" name="标题 1">
+            <a:extLst>
+              <a:ext uri="{FF2B5EF4-FFF2-40B4-BE49-F238E27FC236}">
                 <a16:creationId xmlns:a16="http://schemas.microsoft.com/office/drawing/2014/main" id="{9A1F9E6B-A9F0-4B77-BCCD-E8CEC0204C49}"/>
               </a:ext>
             </a:extLst>
@@ -4342,28 +4643,97 @@
           <a:lstStyle/>
           <a:p>
             <a:r>
-              <a:rPr lang="en-US" altLang="zh-CN" strike="sngStrike" dirty="0" err="1"/>
+              <a:rPr lang="en-US" altLang="zh-CN" dirty="0"/>
+              <a:t>shellcode </a:t>
+            </a:r>
+            <a:r>
+              <a:rPr lang="zh-CN" altLang="en-US" dirty="0"/>
+              <a:t>利用的根本原因是代码段和数据段没有分开</a:t>
+            </a:r>
+            <a:endParaRPr lang="en-US" altLang="zh-CN" dirty="0"/>
+          </a:p>
+          <a:p>
+            <a:r>
+              <a:rPr lang="zh-CN" altLang="en-US" dirty="0"/>
+              <a:t>明明是可读可写的数据段</a:t>
+            </a:r>
+            <a:r>
+              <a:rPr lang="en-US" altLang="zh-CN" dirty="0"/>
+              <a:t>, </a:t>
+            </a:r>
+            <a:r>
+              <a:rPr lang="zh-CN" altLang="en-US" dirty="0"/>
+              <a:t>却可以当作代码段执行 </a:t>
+            </a:r>
+            <a:r>
+              <a:rPr lang="en-US" altLang="zh-CN" dirty="0"/>
+              <a:t>(</a:t>
+            </a:r>
+            <a:r>
+              <a:rPr lang="en-US" altLang="zh-CN" dirty="0" err="1"/>
+              <a:t>rwx</a:t>
+            </a:r>
+            <a:r>
+              <a:rPr lang="en-US" altLang="zh-CN" dirty="0"/>
+              <a:t>)</a:t>
+            </a:r>
+          </a:p>
+          <a:p>
+            <a:r>
+              <a:rPr lang="zh-CN" altLang="en-US" dirty="0"/>
+              <a:t>只允许</a:t>
+            </a:r>
+            <a:r>
+              <a:rPr lang="en-US" altLang="zh-CN" dirty="0" err="1"/>
+              <a:t>rw</a:t>
+            </a:r>
+            <a:r>
+              <a:rPr lang="en-US" altLang="zh-CN" dirty="0"/>
+              <a:t> / </a:t>
+            </a:r>
+            <a:r>
+              <a:rPr lang="en-US" altLang="zh-CN" dirty="0" err="1"/>
+              <a:t>rx</a:t>
+            </a:r>
+            <a:r>
+              <a:rPr lang="en-US" altLang="zh-CN" dirty="0"/>
+              <a:t>. </a:t>
+            </a:r>
+            <a:r>
+              <a:rPr lang="zh-CN" altLang="en-US" dirty="0"/>
+              <a:t>禁用 </a:t>
+            </a:r>
+            <a:r>
+              <a:rPr lang="en-US" altLang="zh-CN" dirty="0" err="1"/>
+              <a:t>rwx</a:t>
+            </a:r>
+            <a:r>
+              <a:rPr lang="en-US" altLang="zh-CN" dirty="0"/>
+              <a:t> (</a:t>
+            </a:r>
+            <a:r>
+              <a:rPr lang="en-US" altLang="zh-CN" dirty="0" err="1"/>
               <a:t>gcc</a:t>
             </a:r>
             <a:r>
+              <a:rPr lang="zh-CN" altLang="en-US" dirty="0"/>
+              <a:t>默认</a:t>
+            </a:r>
+            <a:r>
+              <a:rPr lang="en-US" altLang="zh-CN" dirty="0"/>
+              <a:t>)</a:t>
+            </a:r>
+          </a:p>
+          <a:p>
+            <a:r>
               <a:rPr lang="en-US" altLang="zh-CN" strike="sngStrike" dirty="0"/>
-              <a:t> –z </a:t>
+              <a:t>-z </a:t>
             </a:r>
             <a:r>
               <a:rPr lang="en-US" altLang="zh-CN" strike="sngStrike" dirty="0" err="1"/>
               <a:t>execstack</a:t>
             </a:r>
-            <a:r>
-              <a:rPr lang="en-US" altLang="zh-CN" strike="sngStrike" dirty="0"/>
-              <a:t> </a:t>
-            </a:r>
-          </a:p>
-          <a:p>
-            <a:r>
-              <a:rPr lang="en-US" altLang="zh-CN" dirty="0" err="1"/>
-              <a:t>checksec</a:t>
-            </a:r>
-            <a:endParaRPr lang="zh-CN" altLang="en-US" dirty="0"/>
+            <a:endParaRPr lang="zh-CN" altLang="en-US" strike="sngStrike" dirty="0"/>
           </a:p>
         </p:txBody>
       </p:sp>
@@ -4380,7 +4750,181 @@
 </p:sld>
 </file>
 
-<file path=ppt/slides/slide16.xml><?xml version="1.0" encoding="utf-8"?>
+<file path=ppt/slides/slide18.xml><?xml version="1.0" encoding="utf-8"?>
+<p:sld xmlns:a="http://schemas.openxmlformats.org/drawingml/2006/main" xmlns:r="http://schemas.openxmlformats.org/officeDocument/2006/relationships" xmlns:p="http://schemas.openxmlformats.org/presentationml/2006/main">
+  <p:cSld>
+    <p:spTree>
+      <p:nvGrpSpPr>
+        <p:cNvPr id="1" name=""/>
+        <p:cNvGrpSpPr/>
+        <p:nvPr/>
+      </p:nvGrpSpPr>
+      <p:grpSpPr>
+        <a:xfrm>
+          <a:off x="0" y="0"/>
+          <a:ext cx="0" cy="0"/>
+          <a:chOff x="0" y="0"/>
+          <a:chExt cx="0" cy="0"/>
+        </a:xfrm>
+      </p:grpSpPr>
+      <p:sp>
+        <p:nvSpPr>
+          <p:cNvPr id="2" name="标题 1">
+            <a:extLst>
+              <a:ext uri="{FF2B5EF4-FFF2-40B4-BE49-F238E27FC236}">
+                <a16:creationId xmlns:a16="http://schemas.microsoft.com/office/drawing/2014/main" id="{9A1F9E6B-A9F0-4B77-BCCD-E8CEC0204C49}"/>
+              </a:ext>
+            </a:extLst>
+          </p:cNvPr>
+          <p:cNvSpPr>
+            <a:spLocks noGrp="1"/>
+          </p:cNvSpPr>
+          <p:nvPr>
+            <p:ph type="title"/>
+          </p:nvPr>
+        </p:nvSpPr>
+        <p:spPr/>
+        <p:txBody>
+          <a:bodyPr/>
+          <a:lstStyle/>
+          <a:p>
+            <a:r>
+              <a:rPr lang="en-US" altLang="zh-CN" dirty="0"/>
+              <a:t>no </a:t>
+            </a:r>
+            <a:r>
+              <a:rPr lang="en-US" altLang="zh-CN" dirty="0" err="1"/>
+              <a:t>rwx</a:t>
+            </a:r>
+            <a:r>
+              <a:rPr lang="en-US" altLang="zh-CN" dirty="0"/>
+              <a:t> segment</a:t>
+            </a:r>
+            <a:endParaRPr lang="zh-CN" altLang="en-US" dirty="0"/>
+          </a:p>
+        </p:txBody>
+      </p:sp>
+      <p:sp>
+        <p:nvSpPr>
+          <p:cNvPr id="3" name="内容占位符 2">
+            <a:extLst>
+              <a:ext uri="{FF2B5EF4-FFF2-40B4-BE49-F238E27FC236}">
+                <a16:creationId xmlns:a16="http://schemas.microsoft.com/office/drawing/2014/main" id="{02E1569D-B16F-41D0-9A07-942C3AE384E3}"/>
+              </a:ext>
+            </a:extLst>
+          </p:cNvPr>
+          <p:cNvSpPr>
+            <a:spLocks noGrp="1"/>
+          </p:cNvSpPr>
+          <p:nvPr>
+            <p:ph idx="1"/>
+          </p:nvPr>
+        </p:nvSpPr>
+        <p:spPr/>
+        <p:txBody>
+          <a:bodyPr/>
+          <a:lstStyle/>
+          <a:p>
+            <a:r>
+              <a:rPr lang="en-US" altLang="zh-CN" strike="sngStrike" dirty="0" err="1"/>
+              <a:t>gcc</a:t>
+            </a:r>
+            <a:r>
+              <a:rPr lang="en-US" altLang="zh-CN" strike="sngStrike" dirty="0"/>
+              <a:t> –z </a:t>
+            </a:r>
+            <a:r>
+              <a:rPr lang="en-US" altLang="zh-CN" strike="sngStrike" dirty="0" err="1"/>
+              <a:t>execstack</a:t>
+            </a:r>
+            <a:r>
+              <a:rPr lang="en-US" altLang="zh-CN" strike="sngStrike" dirty="0"/>
+              <a:t> </a:t>
+            </a:r>
+          </a:p>
+          <a:p>
+            <a:r>
+              <a:rPr lang="en-US" altLang="zh-CN" dirty="0" err="1"/>
+              <a:t>checksec</a:t>
+            </a:r>
+            <a:endParaRPr lang="zh-CN" altLang="en-US" dirty="0"/>
+          </a:p>
+        </p:txBody>
+      </p:sp>
+      <p:pic>
+        <p:nvPicPr>
+          <p:cNvPr id="4" name="图片 3">
+            <a:extLst>
+              <a:ext uri="{FF2B5EF4-FFF2-40B4-BE49-F238E27FC236}">
+                <a16:creationId xmlns:a16="http://schemas.microsoft.com/office/drawing/2014/main" id="{86B8F77F-CFF9-4B44-A7DD-6D39491357C4}"/>
+              </a:ext>
+            </a:extLst>
+          </p:cNvPr>
+          <p:cNvPicPr>
+            <a:picLocks noChangeAspect="1"/>
+          </p:cNvPicPr>
+          <p:nvPr/>
+        </p:nvPicPr>
+        <p:blipFill>
+          <a:blip r:embed="rId2"/>
+          <a:stretch>
+            <a:fillRect/>
+          </a:stretch>
+        </p:blipFill>
+        <p:spPr>
+          <a:xfrm>
+            <a:off x="1074768" y="3041503"/>
+            <a:ext cx="5582429" cy="1514686"/>
+          </a:xfrm>
+          <a:prstGeom prst="rect">
+            <a:avLst/>
+          </a:prstGeom>
+        </p:spPr>
+      </p:pic>
+      <p:pic>
+        <p:nvPicPr>
+          <p:cNvPr id="5" name="图片 4">
+            <a:extLst>
+              <a:ext uri="{FF2B5EF4-FFF2-40B4-BE49-F238E27FC236}">
+                <a16:creationId xmlns:a16="http://schemas.microsoft.com/office/drawing/2014/main" id="{2F83BB77-CE5C-4AA0-808E-8EED77D9E301}"/>
+              </a:ext>
+            </a:extLst>
+          </p:cNvPr>
+          <p:cNvPicPr>
+            <a:picLocks noChangeAspect="1"/>
+          </p:cNvPicPr>
+          <p:nvPr/>
+        </p:nvPicPr>
+        <p:blipFill>
+          <a:blip r:embed="rId3"/>
+          <a:stretch>
+            <a:fillRect/>
+          </a:stretch>
+        </p:blipFill>
+        <p:spPr>
+          <a:xfrm>
+            <a:off x="1074768" y="4691126"/>
+            <a:ext cx="8573696" cy="1428949"/>
+          </a:xfrm>
+          <a:prstGeom prst="rect">
+            <a:avLst/>
+          </a:prstGeom>
+        </p:spPr>
+      </p:pic>
+    </p:spTree>
+    <p:extLst>
+      <p:ext uri="{BB962C8B-B14F-4D97-AF65-F5344CB8AC3E}">
+        <p14:creationId xmlns:p14="http://schemas.microsoft.com/office/powerpoint/2010/main" val="1017639139"/>
+      </p:ext>
+    </p:extLst>
+  </p:cSld>
+  <p:clrMapOvr>
+    <a:masterClrMapping/>
+  </p:clrMapOvr>
+</p:sld>
+</file>
+
+<file path=ppt/slides/slide19.xml><?xml version="1.0" encoding="utf-8"?>
 <p:sld xmlns:a="http://schemas.openxmlformats.org/drawingml/2006/main" xmlns:r="http://schemas.openxmlformats.org/officeDocument/2006/relationships" xmlns:p="http://schemas.openxmlformats.org/presentationml/2006/main">
   <p:cSld>
     <p:spTree>
@@ -4599,6 +5143,26 @@
               <a:t>seccomp</a:t>
             </a:r>
             <a:endParaRPr lang="en-US" altLang="zh-CN" dirty="0"/>
+          </a:p>
+          <a:p>
+            <a:r>
+              <a:rPr lang="en-US" altLang="zh-CN" dirty="0"/>
+              <a:t>advanced shellcode</a:t>
+            </a:r>
+          </a:p>
+          <a:p>
+            <a:pPr lvl="1"/>
+            <a:r>
+              <a:rPr lang="en-US" altLang="zh-CN" dirty="0"/>
+              <a:t>printable shellcode</a:t>
+            </a:r>
+          </a:p>
+          <a:p>
+            <a:pPr lvl="1"/>
+            <a:r>
+              <a:rPr lang="en-US" altLang="zh-CN" dirty="0"/>
+              <a:t>side-way attack</a:t>
+            </a:r>
           </a:p>
           <a:p>
             <a:r>

--- a/slides/2-shellcode.pptx
+++ b/slides/2-shellcode.pptx
@@ -332,7 +332,7 @@
           <a:p>
             <a:fld id="{48E80DE2-5081-4B32-A913-A2A331AEF1F8}" type="datetimeFigureOut">
               <a:rPr lang="zh-CN" altLang="en-US" smtClean="0"/>
-              <a:t>2020-08-26</a:t>
+              <a:t>2020-09-16</a:t>
             </a:fld>
             <a:endParaRPr lang="zh-CN" altLang="en-US"/>
           </a:p>
@@ -530,7 +530,7 @@
           <a:p>
             <a:fld id="{48E80DE2-5081-4B32-A913-A2A331AEF1F8}" type="datetimeFigureOut">
               <a:rPr lang="zh-CN" altLang="en-US" smtClean="0"/>
-              <a:t>2020-08-26</a:t>
+              <a:t>2020-09-16</a:t>
             </a:fld>
             <a:endParaRPr lang="zh-CN" altLang="en-US"/>
           </a:p>
@@ -738,7 +738,7 @@
           <a:p>
             <a:fld id="{48E80DE2-5081-4B32-A913-A2A331AEF1F8}" type="datetimeFigureOut">
               <a:rPr lang="zh-CN" altLang="en-US" smtClean="0"/>
-              <a:t>2020-08-26</a:t>
+              <a:t>2020-09-16</a:t>
             </a:fld>
             <a:endParaRPr lang="zh-CN" altLang="en-US"/>
           </a:p>
@@ -941,7 +941,7 @@
           <a:p>
             <a:fld id="{48E80DE2-5081-4B32-A913-A2A331AEF1F8}" type="datetimeFigureOut">
               <a:rPr lang="zh-CN" altLang="en-US" smtClean="0"/>
-              <a:t>2020-08-26</a:t>
+              <a:t>2020-09-16</a:t>
             </a:fld>
             <a:endParaRPr lang="zh-CN" altLang="en-US"/>
           </a:p>
@@ -1216,7 +1216,7 @@
           <a:p>
             <a:fld id="{48E80DE2-5081-4B32-A913-A2A331AEF1F8}" type="datetimeFigureOut">
               <a:rPr lang="zh-CN" altLang="en-US" smtClean="0"/>
-              <a:t>2020-08-26</a:t>
+              <a:t>2020-09-16</a:t>
             </a:fld>
             <a:endParaRPr lang="zh-CN" altLang="en-US"/>
           </a:p>
@@ -1481,7 +1481,7 @@
           <a:p>
             <a:fld id="{48E80DE2-5081-4B32-A913-A2A331AEF1F8}" type="datetimeFigureOut">
               <a:rPr lang="zh-CN" altLang="en-US" smtClean="0"/>
-              <a:t>2020-08-26</a:t>
+              <a:t>2020-09-16</a:t>
             </a:fld>
             <a:endParaRPr lang="zh-CN" altLang="en-US"/>
           </a:p>
@@ -1893,7 +1893,7 @@
           <a:p>
             <a:fld id="{48E80DE2-5081-4B32-A913-A2A331AEF1F8}" type="datetimeFigureOut">
               <a:rPr lang="zh-CN" altLang="en-US" smtClean="0"/>
-              <a:t>2020-08-26</a:t>
+              <a:t>2020-09-16</a:t>
             </a:fld>
             <a:endParaRPr lang="zh-CN" altLang="en-US"/>
           </a:p>
@@ -2034,7 +2034,7 @@
           <a:p>
             <a:fld id="{48E80DE2-5081-4B32-A913-A2A331AEF1F8}" type="datetimeFigureOut">
               <a:rPr lang="zh-CN" altLang="en-US" smtClean="0"/>
-              <a:t>2020-08-26</a:t>
+              <a:t>2020-09-16</a:t>
             </a:fld>
             <a:endParaRPr lang="zh-CN" altLang="en-US"/>
           </a:p>
@@ -2147,7 +2147,7 @@
           <a:p>
             <a:fld id="{48E80DE2-5081-4B32-A913-A2A331AEF1F8}" type="datetimeFigureOut">
               <a:rPr lang="zh-CN" altLang="en-US" smtClean="0"/>
-              <a:t>2020-08-26</a:t>
+              <a:t>2020-09-16</a:t>
             </a:fld>
             <a:endParaRPr lang="zh-CN" altLang="en-US"/>
           </a:p>
@@ -2458,7 +2458,7 @@
           <a:p>
             <a:fld id="{48E80DE2-5081-4B32-A913-A2A331AEF1F8}" type="datetimeFigureOut">
               <a:rPr lang="zh-CN" altLang="en-US" smtClean="0"/>
-              <a:t>2020-08-26</a:t>
+              <a:t>2020-09-16</a:t>
             </a:fld>
             <a:endParaRPr lang="zh-CN" altLang="en-US"/>
           </a:p>
@@ -2746,7 +2746,7 @@
           <a:p>
             <a:fld id="{48E80DE2-5081-4B32-A913-A2A331AEF1F8}" type="datetimeFigureOut">
               <a:rPr lang="zh-CN" altLang="en-US" smtClean="0"/>
-              <a:t>2020-08-26</a:t>
+              <a:t>2020-09-16</a:t>
             </a:fld>
             <a:endParaRPr lang="zh-CN" altLang="en-US"/>
           </a:p>
@@ -2990,7 +2990,7 @@
           <a:p>
             <a:fld id="{48E80DE2-5081-4B32-A913-A2A331AEF1F8}" type="datetimeFigureOut">
               <a:rPr lang="zh-CN" altLang="en-US" smtClean="0"/>
-              <a:t>2020-08-26</a:t>
+              <a:t>2020-09-16</a:t>
             </a:fld>
             <a:endParaRPr lang="zh-CN" altLang="en-US"/>
           </a:p>
@@ -3806,7 +3806,15 @@
           <a:p>
             <a:r>
               <a:rPr lang="en-US" altLang="zh-CN" dirty="0"/>
-              <a:t>read(3, </a:t>
+              <a:t>read(‘</a:t>
+            </a:r>
+            <a:r>
+              <a:rPr lang="en-US" altLang="zh-CN" dirty="0" err="1"/>
+              <a:t>rax</a:t>
+            </a:r>
+            <a:r>
+              <a:rPr lang="en-US" altLang="zh-CN" dirty="0"/>
+              <a:t>’, </a:t>
             </a:r>
             <a:r>
               <a:rPr lang="en-US" altLang="zh-CN" dirty="0" err="1"/>
@@ -5123,7 +5131,7 @@
           <a:p>
             <a:r>
               <a:rPr lang="en-US" altLang="zh-CN" dirty="0"/>
-              <a:t>ret2shellcodwe</a:t>
+              <a:t>ret2shellcode</a:t>
             </a:r>
           </a:p>
           <a:p>
@@ -5274,6 +5282,20 @@
               <a:rPr lang="en-US" altLang="zh-CN" dirty="0"/>
               <a:t>sc1.c</a:t>
             </a:r>
+          </a:p>
+          <a:p>
+            <a:r>
+              <a:rPr lang="en-US" altLang="zh-CN" dirty="0"/>
+              <a:t>system(“/bin/</a:t>
+            </a:r>
+            <a:r>
+              <a:rPr lang="en-US" altLang="zh-CN" dirty="0" err="1"/>
+              <a:t>sh</a:t>
+            </a:r>
+            <a:r>
+              <a:rPr lang="en-US" altLang="zh-CN" dirty="0"/>
+              <a:t>”)</a:t>
+            </a:r>
             <a:endParaRPr lang="zh-CN" altLang="en-US" dirty="0"/>
           </a:p>
         </p:txBody>
@@ -5330,7 +5352,7 @@
         </p:blipFill>
         <p:spPr>
           <a:xfrm>
-            <a:off x="838200" y="3217252"/>
+            <a:off x="838200" y="3471786"/>
             <a:ext cx="4343776" cy="2270957"/>
           </a:xfrm>
           <a:prstGeom prst="rect">
@@ -5786,7 +5808,12 @@
             <p:ph type="title"/>
           </p:nvPr>
         </p:nvSpPr>
-        <p:spPr/>
+        <p:spPr>
+          <a:xfrm>
+            <a:off x="838200" y="365126"/>
+            <a:ext cx="10515600" cy="1081120"/>
+          </a:xfrm>
+        </p:spPr>
         <p:txBody>
           <a:bodyPr/>
           <a:lstStyle/>
@@ -5856,7 +5883,7 @@
             </a:r>
           </a:p>
           <a:p>
-            <a:pPr marL="457200" lvl="1" indent="0">
+            <a:pPr marL="914400" lvl="2" indent="0">
               <a:buNone/>
             </a:pPr>
             <a:r>
@@ -5980,6 +6007,16 @@
               <a:rPr lang="en-US" altLang="zh-CN" dirty="0"/>
               <a:t>e.g. only open, read, write is allowed</a:t>
             </a:r>
+          </a:p>
+          <a:p>
+            <a:endParaRPr lang="en-US" altLang="zh-CN" dirty="0"/>
+          </a:p>
+          <a:p>
+            <a:r>
+              <a:rPr lang="en-US" altLang="zh-CN"/>
+              <a:t>secure computation</a:t>
+            </a:r>
+            <a:endParaRPr lang="en-US" altLang="zh-CN" dirty="0"/>
           </a:p>
         </p:txBody>
       </p:sp>
